--- a/Rendu entreprise/MapR.pptx
+++ b/Rendu entreprise/MapR.pptx
@@ -268,7 +268,7 @@
           <a:p>
             <a:fld id="{EA67B492-CC18-4B86-A842-82628B7C9EE9}" type="datetimeFigureOut">
               <a:rPr lang="fr-FR" smtClean="0"/>
-              <a:t>26/10/2016</a:t>
+              <a:t>29/10/2016</a:t>
             </a:fld>
             <a:endParaRPr lang="fr-FR"/>
           </a:p>
@@ -436,7 +436,7 @@
           <a:p>
             <a:fld id="{EA67B492-CC18-4B86-A842-82628B7C9EE9}" type="datetimeFigureOut">
               <a:rPr lang="fr-FR" smtClean="0"/>
-              <a:t>26/10/2016</a:t>
+              <a:t>29/10/2016</a:t>
             </a:fld>
             <a:endParaRPr lang="fr-FR"/>
           </a:p>
@@ -614,7 +614,7 @@
           <a:p>
             <a:fld id="{EA67B492-CC18-4B86-A842-82628B7C9EE9}" type="datetimeFigureOut">
               <a:rPr lang="fr-FR" smtClean="0"/>
-              <a:t>26/10/2016</a:t>
+              <a:t>29/10/2016</a:t>
             </a:fld>
             <a:endParaRPr lang="fr-FR"/>
           </a:p>
@@ -782,7 +782,7 @@
           <a:p>
             <a:fld id="{EA67B492-CC18-4B86-A842-82628B7C9EE9}" type="datetimeFigureOut">
               <a:rPr lang="fr-FR" smtClean="0"/>
-              <a:t>26/10/2016</a:t>
+              <a:t>29/10/2016</a:t>
             </a:fld>
             <a:endParaRPr lang="fr-FR"/>
           </a:p>
@@ -1027,7 +1027,7 @@
           <a:p>
             <a:fld id="{EA67B492-CC18-4B86-A842-82628B7C9EE9}" type="datetimeFigureOut">
               <a:rPr lang="fr-FR" smtClean="0"/>
-              <a:t>26/10/2016</a:t>
+              <a:t>29/10/2016</a:t>
             </a:fld>
             <a:endParaRPr lang="fr-FR"/>
           </a:p>
@@ -1256,7 +1256,7 @@
           <a:p>
             <a:fld id="{EA67B492-CC18-4B86-A842-82628B7C9EE9}" type="datetimeFigureOut">
               <a:rPr lang="fr-FR" smtClean="0"/>
-              <a:t>26/10/2016</a:t>
+              <a:t>29/10/2016</a:t>
             </a:fld>
             <a:endParaRPr lang="fr-FR"/>
           </a:p>
@@ -1620,7 +1620,7 @@
           <a:p>
             <a:fld id="{EA67B492-CC18-4B86-A842-82628B7C9EE9}" type="datetimeFigureOut">
               <a:rPr lang="fr-FR" smtClean="0"/>
-              <a:t>26/10/2016</a:t>
+              <a:t>29/10/2016</a:t>
             </a:fld>
             <a:endParaRPr lang="fr-FR"/>
           </a:p>
@@ -1737,7 +1737,7 @@
           <a:p>
             <a:fld id="{EA67B492-CC18-4B86-A842-82628B7C9EE9}" type="datetimeFigureOut">
               <a:rPr lang="fr-FR" smtClean="0"/>
-              <a:t>26/10/2016</a:t>
+              <a:t>29/10/2016</a:t>
             </a:fld>
             <a:endParaRPr lang="fr-FR"/>
           </a:p>
@@ -1832,7 +1832,7 @@
           <a:p>
             <a:fld id="{EA67B492-CC18-4B86-A842-82628B7C9EE9}" type="datetimeFigureOut">
               <a:rPr lang="fr-FR" smtClean="0"/>
-              <a:t>26/10/2016</a:t>
+              <a:t>29/10/2016</a:t>
             </a:fld>
             <a:endParaRPr lang="fr-FR"/>
           </a:p>
@@ -2107,7 +2107,7 @@
           <a:p>
             <a:fld id="{EA67B492-CC18-4B86-A842-82628B7C9EE9}" type="datetimeFigureOut">
               <a:rPr lang="fr-FR" smtClean="0"/>
-              <a:t>26/10/2016</a:t>
+              <a:t>29/10/2016</a:t>
             </a:fld>
             <a:endParaRPr lang="fr-FR"/>
           </a:p>
@@ -2359,7 +2359,7 @@
           <a:p>
             <a:fld id="{EA67B492-CC18-4B86-A842-82628B7C9EE9}" type="datetimeFigureOut">
               <a:rPr lang="fr-FR" smtClean="0"/>
-              <a:t>26/10/2016</a:t>
+              <a:t>29/10/2016</a:t>
             </a:fld>
             <a:endParaRPr lang="fr-FR"/>
           </a:p>
@@ -2570,7 +2570,7 @@
           <a:p>
             <a:fld id="{EA67B492-CC18-4B86-A842-82628B7C9EE9}" type="datetimeFigureOut">
               <a:rPr lang="fr-FR" smtClean="0"/>
-              <a:t>26/10/2016</a:t>
+              <a:t>29/10/2016</a:t>
             </a:fld>
             <a:endParaRPr lang="fr-FR"/>
           </a:p>
@@ -3009,10 +3009,55 @@
         </p:nvSpPr>
         <p:spPr/>
         <p:txBody>
-          <a:bodyPr/>
-          <a:lstStyle/>
-          <a:p>
-            <a:endParaRPr lang="fr-FR"/>
+          <a:bodyPr>
+            <a:normAutofit fontScale="92500"/>
+          </a:bodyPr>
+          <a:lstStyle/>
+          <a:p>
+            <a:r>
+              <a:rPr lang="fr-FR" dirty="0"/>
+              <a:t>MapR propose une distribution de </a:t>
+            </a:r>
+            <a:r>
+              <a:rPr lang="fr-FR" dirty="0" err="1"/>
+              <a:t>hadoop</a:t>
+            </a:r>
+            <a:r>
+              <a:rPr lang="fr-FR" dirty="0"/>
+              <a:t> qui se veut facile d’utilisation. Elle propose 3 solutions, 1 gratuite, et les 2 autres ajoute des fonctionnalités. La 3 solutions </a:t>
+            </a:r>
+            <a:r>
+              <a:rPr lang="fr-FR" dirty="0" err="1"/>
+              <a:t>réimplémente</a:t>
+            </a:r>
+            <a:r>
+              <a:rPr lang="fr-FR" dirty="0"/>
+              <a:t> l’API de Hbase et propose sa propre implémentation de </a:t>
+            </a:r>
+            <a:r>
+              <a:rPr lang="fr-FR" dirty="0" err="1"/>
+              <a:t>mapReduce</a:t>
+            </a:r>
+            <a:r>
+              <a:rPr lang="fr-FR" dirty="0"/>
+              <a:t>. Apache Drill : utilisation de </a:t>
+            </a:r>
+            <a:r>
+              <a:rPr lang="fr-FR" dirty="0" err="1"/>
+              <a:t>requete</a:t>
+            </a:r>
+            <a:r>
+              <a:rPr lang="fr-FR" dirty="0"/>
+              <a:t> SQL standards sur des données </a:t>
+            </a:r>
+            <a:r>
+              <a:rPr lang="fr-FR" dirty="0" err="1"/>
+              <a:t>Hadoop</a:t>
+            </a:r>
+            <a:r>
+              <a:rPr lang="fr-FR" dirty="0"/>
+              <a:t> plus des traitements en temps réel. </a:t>
+            </a:r>
           </a:p>
         </p:txBody>
       </p:sp>
@@ -3030,7 +3075,7 @@
 </file>
 
 <file path=ppt/slides/slide2.xml><?xml version="1.0" encoding="utf-8"?>
-<p:sld xmlns:a="http://schemas.openxmlformats.org/drawingml/2006/main" xmlns:r="http://schemas.openxmlformats.org/officeDocument/2006/relationships" xmlns:p="http://schemas.openxmlformats.org/presentationml/2006/main">
+<p:sld xmlns:a="http://schemas.openxmlformats.org/drawingml/2006/main" xmlns:r="http://schemas.openxmlformats.org/officeDocument/2006/relationships" xmlns:p="http://schemas.openxmlformats.org/presentationml/2006/main" showMasterSp="0">
   <p:cSld>
     <p:spTree>
       <p:nvGrpSpPr>
@@ -3048,35 +3093,240 @@
       </p:grpSpPr>
       <p:sp>
         <p:nvSpPr>
-          <p:cNvPr id="2" name="Titre 1"/>
-          <p:cNvSpPr>
-            <a:spLocks noGrp="1"/>
-          </p:cNvSpPr>
-          <p:nvPr>
-            <p:ph type="title"/>
-          </p:nvPr>
-        </p:nvSpPr>
-        <p:spPr/>
-        <p:txBody>
-          <a:bodyPr/>
-          <a:lstStyle/>
-          <a:p>
-            <a:endParaRPr lang="fr-FR"/>
+          <p:cNvPr id="10" name="Freeform 21"/>
+          <p:cNvSpPr>
+            <a:spLocks noGrp="1" noRot="1" noChangeAspect="1" noMove="1" noResize="1" noEditPoints="1" noAdjustHandles="1" noChangeArrowheads="1" noChangeShapeType="1" noTextEdit="1"/>
+          </p:cNvSpPr>
+          <p:nvPr>
+            <p:extLst>
+              <p:ext uri="{386F3935-93C4-4BCD-93E2-E3B085C9AB24}">
+                <p16:designElem xmlns:p16="http://schemas.microsoft.com/office/powerpoint/2015/main" val="1"/>
+              </p:ext>
+            </p:extLst>
+          </p:nvPr>
+        </p:nvSpPr>
+        <p:spPr>
+          <a:xfrm>
+            <a:off x="0" y="0"/>
+            <a:ext cx="10237586" cy="6858000"/>
+          </a:xfrm>
+          <a:custGeom>
+            <a:avLst/>
+            <a:gdLst>
+              <a:gd name="connsiteX0" fmla="*/ 0 w 10237586"/>
+              <a:gd name="connsiteY0" fmla="*/ 0 h 6858000"/>
+              <a:gd name="connsiteX1" fmla="*/ 7061432 w 10237586"/>
+              <a:gd name="connsiteY1" fmla="*/ 0 h 6858000"/>
+              <a:gd name="connsiteX2" fmla="*/ 10237586 w 10237586"/>
+              <a:gd name="connsiteY2" fmla="*/ 6858000 h 6858000"/>
+              <a:gd name="connsiteX3" fmla="*/ 0 w 10237586"/>
+              <a:gd name="connsiteY3" fmla="*/ 6858000 h 6858000"/>
+            </a:gdLst>
+            <a:ahLst/>
+            <a:cxnLst>
+              <a:cxn ang="0">
+                <a:pos x="connsiteX0" y="connsiteY0"/>
+              </a:cxn>
+              <a:cxn ang="0">
+                <a:pos x="connsiteX1" y="connsiteY1"/>
+              </a:cxn>
+              <a:cxn ang="0">
+                <a:pos x="connsiteX2" y="connsiteY2"/>
+              </a:cxn>
+              <a:cxn ang="0">
+                <a:pos x="connsiteX3" y="connsiteY3"/>
+              </a:cxn>
+            </a:cxnLst>
+            <a:rect l="l" t="t" r="r" b="b"/>
+            <a:pathLst>
+              <a:path w="10237586" h="6858000">
+                <a:moveTo>
+                  <a:pt x="0" y="0"/>
+                </a:moveTo>
+                <a:lnTo>
+                  <a:pt x="7061432" y="0"/>
+                </a:lnTo>
+                <a:lnTo>
+                  <a:pt x="10237586" y="6858000"/>
+                </a:lnTo>
+                <a:lnTo>
+                  <a:pt x="0" y="6858000"/>
+                </a:lnTo>
+                <a:close/>
+              </a:path>
+            </a:pathLst>
+          </a:custGeom>
+          <a:solidFill>
+            <a:schemeClr val="bg1">
+              <a:alpha val="44000"/>
+            </a:schemeClr>
+          </a:solidFill>
+          <a:ln>
+            <a:noFill/>
+          </a:ln>
+        </p:spPr>
+        <p:style>
+          <a:lnRef idx="2">
+            <a:schemeClr val="accent1">
+              <a:shade val="50000"/>
+            </a:schemeClr>
+          </a:lnRef>
+          <a:fillRef idx="1">
+            <a:schemeClr val="accent1"/>
+          </a:fillRef>
+          <a:effectRef idx="0">
+            <a:schemeClr val="accent1"/>
+          </a:effectRef>
+          <a:fontRef idx="minor">
+            <a:schemeClr val="lt1"/>
+          </a:fontRef>
+        </p:style>
+        <p:txBody>
+          <a:bodyPr wrap="square" rtlCol="0" anchor="ctr">
+            <a:noAutofit/>
+          </a:bodyPr>
+          <a:lstStyle/>
+          <a:p>
+            <a:pPr algn="ctr"/>
+            <a:endParaRPr lang="en-US"/>
+          </a:p>
+        </p:txBody>
+      </p:sp>
+      <p:sp>
+        <p:nvSpPr>
+          <p:cNvPr id="11" name="Freeform 20"/>
+          <p:cNvSpPr>
+            <a:spLocks noGrp="1" noRot="1" noChangeAspect="1" noMove="1" noResize="1" noEditPoints="1" noAdjustHandles="1" noChangeArrowheads="1" noChangeShapeType="1" noTextEdit="1"/>
+          </p:cNvSpPr>
+          <p:nvPr>
+            <p:extLst>
+              <p:ext uri="{386F3935-93C4-4BCD-93E2-E3B085C9AB24}">
+                <p16:designElem xmlns:p16="http://schemas.microsoft.com/office/powerpoint/2015/main" val="1"/>
+              </p:ext>
+            </p:extLst>
+          </p:nvPr>
+        </p:nvSpPr>
+        <p:spPr>
+          <a:xfrm>
+            <a:off x="0" y="0"/>
+            <a:ext cx="9380336" cy="6858000"/>
+          </a:xfrm>
+          <a:custGeom>
+            <a:avLst/>
+            <a:gdLst>
+              <a:gd name="connsiteX0" fmla="*/ 0 w 9380336"/>
+              <a:gd name="connsiteY0" fmla="*/ 0 h 6858000"/>
+              <a:gd name="connsiteX1" fmla="*/ 6204182 w 9380336"/>
+              <a:gd name="connsiteY1" fmla="*/ 0 h 6858000"/>
+              <a:gd name="connsiteX2" fmla="*/ 9380336 w 9380336"/>
+              <a:gd name="connsiteY2" fmla="*/ 6858000 h 6858000"/>
+              <a:gd name="connsiteX3" fmla="*/ 0 w 9380336"/>
+              <a:gd name="connsiteY3" fmla="*/ 6858000 h 6858000"/>
+            </a:gdLst>
+            <a:ahLst/>
+            <a:cxnLst>
+              <a:cxn ang="0">
+                <a:pos x="connsiteX0" y="connsiteY0"/>
+              </a:cxn>
+              <a:cxn ang="0">
+                <a:pos x="connsiteX1" y="connsiteY1"/>
+              </a:cxn>
+              <a:cxn ang="0">
+                <a:pos x="connsiteX2" y="connsiteY2"/>
+              </a:cxn>
+              <a:cxn ang="0">
+                <a:pos x="connsiteX3" y="connsiteY3"/>
+              </a:cxn>
+            </a:cxnLst>
+            <a:rect l="l" t="t" r="r" b="b"/>
+            <a:pathLst>
+              <a:path w="9380336" h="6858000">
+                <a:moveTo>
+                  <a:pt x="0" y="0"/>
+                </a:moveTo>
+                <a:lnTo>
+                  <a:pt x="6204182" y="0"/>
+                </a:lnTo>
+                <a:lnTo>
+                  <a:pt x="9380336" y="6858000"/>
+                </a:lnTo>
+                <a:lnTo>
+                  <a:pt x="0" y="6858000"/>
+                </a:lnTo>
+                <a:close/>
+              </a:path>
+            </a:pathLst>
+          </a:custGeom>
+          <a:solidFill>
+            <a:schemeClr val="bg1">
+              <a:alpha val="70000"/>
+            </a:schemeClr>
+          </a:solidFill>
+          <a:ln>
+            <a:noFill/>
+          </a:ln>
+        </p:spPr>
+        <p:style>
+          <a:lnRef idx="2">
+            <a:schemeClr val="accent1">
+              <a:shade val="50000"/>
+            </a:schemeClr>
+          </a:lnRef>
+          <a:fillRef idx="1">
+            <a:schemeClr val="accent1"/>
+          </a:fillRef>
+          <a:effectRef idx="0">
+            <a:schemeClr val="accent1"/>
+          </a:effectRef>
+          <a:fontRef idx="minor">
+            <a:schemeClr val="lt1"/>
+          </a:fontRef>
+        </p:style>
+        <p:txBody>
+          <a:bodyPr wrap="square" rtlCol="0" anchor="ctr">
+            <a:noAutofit/>
+          </a:bodyPr>
+          <a:lstStyle/>
+          <a:p>
+            <a:pPr algn="ctr"/>
+            <a:endParaRPr lang="en-US"/>
           </a:p>
         </p:txBody>
       </p:sp>
       <p:pic>
         <p:nvPicPr>
-          <p:cNvPr id="4" name="Espace réservé du contenu 3"/>
+          <p:cNvPr id="6" name="Espace réservé du contenu 3"/>
           <p:cNvPicPr>
-            <a:picLocks noGrp="1" noChangeAspect="1"/>
+            <a:picLocks noChangeAspect="1"/>
           </p:cNvPicPr>
-          <p:nvPr>
-            <p:ph idx="1"/>
-          </p:nvPr>
+          <p:nvPr/>
         </p:nvPicPr>
         <p:blipFill>
-          <a:blip r:embed="rId2">
+          <a:blip r:embed="rId2"/>
+          <a:stretch>
+            <a:fillRect/>
+          </a:stretch>
+        </p:blipFill>
+        <p:spPr>
+          <a:xfrm>
+            <a:off x="6435741" y="4113477"/>
+            <a:ext cx="5070459" cy="2091563"/>
+          </a:xfrm>
+          <a:prstGeom prst="rect">
+            <a:avLst/>
+          </a:prstGeom>
+        </p:spPr>
+      </p:pic>
+      <p:pic>
+        <p:nvPicPr>
+          <p:cNvPr id="3" name="Image 2"/>
+          <p:cNvPicPr>
+            <a:picLocks noChangeAspect="1"/>
+          </p:cNvPicPr>
+          <p:nvPr/>
+        </p:nvPicPr>
+        <p:blipFill>
+          <a:blip r:embed="rId3">
             <a:extLst>
               <a:ext uri="{28A0092B-C50C-407E-A947-70E740481C1C}">
                 <a14:useLocalDpi xmlns:a14="http://schemas.microsoft.com/office/drawing/2010/main" val="0"/>
@@ -3089,11 +3339,66 @@
         </p:blipFill>
         <p:spPr>
           <a:xfrm>
-            <a:off x="1876952" y="2258437"/>
-            <a:ext cx="8438095" cy="3485714"/>
+            <a:off x="6902106" y="1851555"/>
+            <a:ext cx="4569540" cy="2261922"/>
+          </a:xfrm>
+          <a:prstGeom prst="rect">
+            <a:avLst/>
+          </a:prstGeom>
+        </p:spPr>
+      </p:pic>
+      <p:sp>
+        <p:nvSpPr>
+          <p:cNvPr id="2" name="Titre 1"/>
+          <p:cNvSpPr>
+            <a:spLocks noGrp="1"/>
+          </p:cNvSpPr>
+          <p:nvPr>
+            <p:ph type="title"/>
+          </p:nvPr>
+        </p:nvSpPr>
+        <p:spPr>
+          <a:xfrm>
+            <a:off x="838200" y="365125"/>
+            <a:ext cx="10515600" cy="1325563"/>
           </a:xfrm>
         </p:spPr>
-      </p:pic>
+        <p:txBody>
+          <a:bodyPr>
+            <a:normAutofit/>
+          </a:bodyPr>
+          <a:lstStyle/>
+          <a:p>
+            <a:endParaRPr lang="fr-FR"/>
+          </a:p>
+        </p:txBody>
+      </p:sp>
+      <p:sp>
+        <p:nvSpPr>
+          <p:cNvPr id="8" name="Content Placeholder 7"/>
+          <p:cNvSpPr>
+            <a:spLocks noGrp="1"/>
+          </p:cNvSpPr>
+          <p:nvPr>
+            <p:ph idx="1"/>
+          </p:nvPr>
+        </p:nvSpPr>
+        <p:spPr>
+          <a:xfrm>
+            <a:off x="838200" y="2021249"/>
+            <a:ext cx="5707565" cy="4155713"/>
+          </a:xfrm>
+        </p:spPr>
+        <p:txBody>
+          <a:bodyPr>
+            <a:normAutofit/>
+          </a:bodyPr>
+          <a:lstStyle/>
+          <a:p>
+            <a:endParaRPr lang="en-US" sz="2000"/>
+          </a:p>
+        </p:txBody>
+      </p:sp>
     </p:spTree>
     <p:extLst>
       <p:ext uri="{BB962C8B-B14F-4D97-AF65-F5344CB8AC3E}">
